--- a/State Partisan Control affects on Covid - BrookC Variant v.2.pptx
+++ b/State Partisan Control affects on Covid - BrookC Variant v.2.pptx
@@ -9069,10 +9069,10 @@
       </p:sp>
       <p:pic>
         <p:nvPicPr>
-          <p:cNvPr id="5" name="Picture 4" descr="Chart, bar chart&#10;&#10;Description automatically generated">
+          <p:cNvPr id="6" name="Picture 5" descr="Chart, bar chart&#10;&#10;Description automatically generated">
             <a:extLst>
               <a:ext uri="{FF2B5EF4-FFF2-40B4-BE49-F238E27FC236}">
-                <a16:creationId xmlns:a16="http://schemas.microsoft.com/office/drawing/2014/main" id="{5E605160-F4F2-4821-992C-2162B2D76B13}"/>
+                <a16:creationId xmlns:a16="http://schemas.microsoft.com/office/drawing/2014/main" id="{58BD8717-621A-4446-9DE6-DC622D0A01CE}"/>
               </a:ext>
             </a:extLst>
           </p:cNvPr>
@@ -9095,8 +9095,8 @@
         </p:blipFill>
         <p:spPr>
           <a:xfrm>
-            <a:off x="7239628" y="2110626"/>
-            <a:ext cx="4191363" cy="2636748"/>
+            <a:off x="7192919" y="2106815"/>
+            <a:ext cx="4160881" cy="2644369"/>
           </a:xfrm>
           <a:prstGeom prst="rect">
             <a:avLst/>

--- a/State Partisan Control affects on Covid - BrookC Variant v.2.pptx
+++ b/State Partisan Control affects on Covid - BrookC Variant v.2.pptx
@@ -9069,10 +9069,10 @@
       </p:sp>
       <p:pic>
         <p:nvPicPr>
-          <p:cNvPr id="6" name="Picture 5" descr="Chart, bar chart&#10;&#10;Description automatically generated">
+          <p:cNvPr id="5" name="Picture 4" descr="Chart, bar chart&#10;&#10;Description automatically generated">
             <a:extLst>
               <a:ext uri="{FF2B5EF4-FFF2-40B4-BE49-F238E27FC236}">
-                <a16:creationId xmlns:a16="http://schemas.microsoft.com/office/drawing/2014/main" id="{58BD8717-621A-4446-9DE6-DC622D0A01CE}"/>
+                <a16:creationId xmlns:a16="http://schemas.microsoft.com/office/drawing/2014/main" id="{B90D20BF-4400-4037-ABC3-67CF7BC62E31}"/>
               </a:ext>
             </a:extLst>
           </p:cNvPr>
@@ -9095,8 +9095,8 @@
         </p:blipFill>
         <p:spPr>
           <a:xfrm>
-            <a:off x="7192919" y="2106815"/>
-            <a:ext cx="4160881" cy="2644369"/>
+            <a:off x="7124333" y="2087764"/>
+            <a:ext cx="4229467" cy="2682472"/>
           </a:xfrm>
           <a:prstGeom prst="rect">
             <a:avLst/>

--- a/State Partisan Control affects on Covid - BrookC Variant v.2.pptx
+++ b/State Partisan Control affects on Covid - BrookC Variant v.2.pptx
@@ -9477,12 +9477,166 @@
           </a:p>
         </p:txBody>
       </p:sp>
+      <p:sp>
+        <p:nvSpPr>
+          <p:cNvPr id="3" name="TextBox 2">
+            <a:extLst>
+              <a:ext uri="{FF2B5EF4-FFF2-40B4-BE49-F238E27FC236}">
+                <a16:creationId xmlns:a16="http://schemas.microsoft.com/office/drawing/2014/main" id="{D4A8BFF3-2E05-42F1-AC3C-227C709987CC}"/>
+              </a:ext>
+            </a:extLst>
+          </p:cNvPr>
+          <p:cNvSpPr txBox="1"/>
+          <p:nvPr/>
+        </p:nvSpPr>
+        <p:spPr>
+          <a:xfrm>
+            <a:off x="6431280" y="1783080"/>
+            <a:ext cx="4720591" cy="3416320"/>
+          </a:xfrm>
+          <a:prstGeom prst="rect">
+            <a:avLst/>
+          </a:prstGeom>
+          <a:noFill/>
+        </p:spPr>
+        <p:txBody>
+          <a:bodyPr wrap="square" rtlCol="0">
+            <a:spAutoFit/>
+          </a:bodyPr>
+          <a:lstStyle/>
+          <a:p>
+            <a:r>
+              <a:rPr lang="en-US" dirty="0"/>
+              <a:t>We summed the probable true number of Covid-19 deaths by state</a:t>
+            </a:r>
+          </a:p>
+          <a:p>
+            <a:pPr marL="285750" indent="-285750">
+              <a:buFont typeface="Arial" panose="020B0604020202020204" pitchFamily="34" charset="0"/>
+              <a:buChar char="•"/>
+            </a:pPr>
+            <a:r>
+              <a:rPr lang="en-US" dirty="0"/>
+              <a:t>Strongly Republican states under-reported </a:t>
+            </a:r>
+          </a:p>
+          <a:p>
+            <a:pPr marL="285750" indent="-285750">
+              <a:buFont typeface="Arial" panose="020B0604020202020204" pitchFamily="34" charset="0"/>
+              <a:buChar char="•"/>
+            </a:pPr>
+            <a:r>
+              <a:rPr lang="en-US" dirty="0"/>
+              <a:t>Strong Democratic states by 6% Points</a:t>
+            </a:r>
+          </a:p>
+          <a:p>
+            <a:pPr lvl="1"/>
+            <a:r>
+              <a:rPr lang="en-US" dirty="0"/>
+              <a:t>- Avg for 23 Rep Controlled States = 43%</a:t>
+            </a:r>
+          </a:p>
+          <a:p>
+            <a:pPr lvl="1"/>
+            <a:r>
+              <a:rPr lang="en-US" dirty="0"/>
+              <a:t>- Avg for 19 Dem Controlled States = 37%</a:t>
+            </a:r>
+          </a:p>
+          <a:p>
+            <a:pPr lvl="1"/>
+            <a:r>
+              <a:rPr lang="en-US" dirty="0"/>
+              <a:t>- Avg for 8 Divided Control States = 45%</a:t>
+            </a:r>
+          </a:p>
+          <a:p>
+            <a:pPr marL="285750" indent="-285750">
+              <a:buFont typeface="Arial" panose="020B0604020202020204" pitchFamily="34" charset="0"/>
+              <a:buChar char="•"/>
+            </a:pPr>
+            <a:r>
+              <a:rPr lang="en-US" dirty="0"/>
+              <a:t>If our hypothesis is right, strongly Rep should be greater than strongly Dem, and Divided should come </a:t>
+            </a:r>
+            <a:r>
+              <a:rPr lang="en-US" dirty="0" err="1"/>
+              <a:t>inbetween</a:t>
+            </a:r>
+            <a:r>
+              <a:rPr lang="en-US" dirty="0"/>
+              <a:t>.</a:t>
+            </a:r>
+          </a:p>
+          <a:p>
+            <a:pPr marL="742950" lvl="1" indent="-285750">
+              <a:buFont typeface="Arial" panose="020B0604020202020204" pitchFamily="34" charset="0"/>
+              <a:buChar char="•"/>
+            </a:pPr>
+            <a:r>
+              <a:rPr lang="en-US" dirty="0"/>
+              <a:t>NOT what we found, however</a:t>
+            </a:r>
+          </a:p>
+          <a:p>
+            <a:pPr marL="285750" indent="-285750">
+              <a:buFontTx/>
+              <a:buChar char="-"/>
+            </a:pPr>
+            <a:endParaRPr lang="en-US" dirty="0"/>
+          </a:p>
+        </p:txBody>
+      </p:sp>
+      <p:sp>
+        <p:nvSpPr>
+          <p:cNvPr id="7" name="TextBox 6">
+            <a:extLst>
+              <a:ext uri="{FF2B5EF4-FFF2-40B4-BE49-F238E27FC236}">
+                <a16:creationId xmlns:a16="http://schemas.microsoft.com/office/drawing/2014/main" id="{A6293A27-F68E-49C2-A8F4-3C7019BB6A67}"/>
+              </a:ext>
+            </a:extLst>
+          </p:cNvPr>
+          <p:cNvSpPr txBox="1"/>
+          <p:nvPr/>
+        </p:nvSpPr>
+        <p:spPr>
+          <a:xfrm>
+            <a:off x="1509204" y="5069150"/>
+            <a:ext cx="9170633" cy="1200329"/>
+          </a:xfrm>
+          <a:prstGeom prst="rect">
+            <a:avLst/>
+          </a:prstGeom>
+          <a:noFill/>
+        </p:spPr>
+        <p:txBody>
+          <a:bodyPr wrap="square" rtlCol="0">
+            <a:spAutoFit/>
+          </a:bodyPr>
+          <a:lstStyle/>
+          <a:p>
+            <a:r>
+              <a:rPr lang="en-US"/>
+              <a:t>Definition: Probable Total Covid-19 Deaths = Known Covid-19 Deaths + Excess Deaths excl. C-19</a:t>
+            </a:r>
+          </a:p>
+          <a:p>
+            <a:pPr lvl="1"/>
+            <a:r>
+              <a:rPr lang="en-US"/>
+              <a:t>Excess Deaths is computed based on expected number of deaths had there been no pandemic, weighted for population growth and seasonality and excluding known (positively identified) Covid-19 Deaths</a:t>
+            </a:r>
+            <a:endParaRPr lang="en-US" dirty="0"/>
+          </a:p>
+        </p:txBody>
+      </p:sp>
       <p:pic>
         <p:nvPicPr>
-          <p:cNvPr id="15" name="Content Placeholder 14">
+          <p:cNvPr id="8" name="Content Placeholder 7" descr="Chart, bar chart&#10;&#10;Description automatically generated">
             <a:extLst>
               <a:ext uri="{FF2B5EF4-FFF2-40B4-BE49-F238E27FC236}">
-                <a16:creationId xmlns:a16="http://schemas.microsoft.com/office/drawing/2014/main" id="{83DA8D61-4F2C-44DD-B917-A2F92B0D9A26}"/>
+                <a16:creationId xmlns:a16="http://schemas.microsoft.com/office/drawing/2014/main" id="{44C99653-D888-4DFA-A159-97266B8D39D0}"/>
               </a:ext>
             </a:extLst>
           </p:cNvPr>
@@ -9507,165 +9661,11 @@
         </p:blipFill>
         <p:spPr>
           <a:xfrm>
-            <a:off x="1040129" y="1912634"/>
-            <a:ext cx="4945380" cy="2335514"/>
+            <a:off x="1327344" y="1878823"/>
+            <a:ext cx="4244708" cy="2682472"/>
           </a:xfrm>
         </p:spPr>
       </p:pic>
-      <p:sp>
-        <p:nvSpPr>
-          <p:cNvPr id="3" name="TextBox 2">
-            <a:extLst>
-              <a:ext uri="{FF2B5EF4-FFF2-40B4-BE49-F238E27FC236}">
-                <a16:creationId xmlns:a16="http://schemas.microsoft.com/office/drawing/2014/main" id="{D4A8BFF3-2E05-42F1-AC3C-227C709987CC}"/>
-              </a:ext>
-            </a:extLst>
-          </p:cNvPr>
-          <p:cNvSpPr txBox="1"/>
-          <p:nvPr/>
-        </p:nvSpPr>
-        <p:spPr>
-          <a:xfrm>
-            <a:off x="6431280" y="1783080"/>
-            <a:ext cx="4720591" cy="3416320"/>
-          </a:xfrm>
-          <a:prstGeom prst="rect">
-            <a:avLst/>
-          </a:prstGeom>
-          <a:noFill/>
-        </p:spPr>
-        <p:txBody>
-          <a:bodyPr wrap="square" rtlCol="0">
-            <a:spAutoFit/>
-          </a:bodyPr>
-          <a:lstStyle/>
-          <a:p>
-            <a:r>
-              <a:rPr lang="en-US" dirty="0"/>
-              <a:t>We summed the probable true number of Covid-19 deaths by state</a:t>
-            </a:r>
-          </a:p>
-          <a:p>
-            <a:pPr marL="285750" indent="-285750">
-              <a:buFont typeface="Arial" panose="020B0604020202020204" pitchFamily="34" charset="0"/>
-              <a:buChar char="•"/>
-            </a:pPr>
-            <a:r>
-              <a:rPr lang="en-US" dirty="0"/>
-              <a:t>Strongly Republican states under-reported </a:t>
-            </a:r>
-          </a:p>
-          <a:p>
-            <a:pPr marL="285750" indent="-285750">
-              <a:buFont typeface="Arial" panose="020B0604020202020204" pitchFamily="34" charset="0"/>
-              <a:buChar char="•"/>
-            </a:pPr>
-            <a:r>
-              <a:rPr lang="en-US" dirty="0"/>
-              <a:t>Strong Democratic states by 6% Points</a:t>
-            </a:r>
-          </a:p>
-          <a:p>
-            <a:pPr lvl="1"/>
-            <a:r>
-              <a:rPr lang="en-US" dirty="0"/>
-              <a:t>- Avg for 23 Rep Controlled States = 43%</a:t>
-            </a:r>
-          </a:p>
-          <a:p>
-            <a:pPr lvl="1"/>
-            <a:r>
-              <a:rPr lang="en-US" dirty="0"/>
-              <a:t>- Avg for 19 Dem Controlled States = 37%</a:t>
-            </a:r>
-          </a:p>
-          <a:p>
-            <a:pPr lvl="1"/>
-            <a:r>
-              <a:rPr lang="en-US" dirty="0"/>
-              <a:t>- Avg for 8 Divided Control States = 45%</a:t>
-            </a:r>
-          </a:p>
-          <a:p>
-            <a:pPr marL="285750" indent="-285750">
-              <a:buFont typeface="Arial" panose="020B0604020202020204" pitchFamily="34" charset="0"/>
-              <a:buChar char="•"/>
-            </a:pPr>
-            <a:r>
-              <a:rPr lang="en-US" dirty="0"/>
-              <a:t>If our hypothesis is right, strongly Rep should be greater than strongly Dem, and Divided should come </a:t>
-            </a:r>
-            <a:r>
-              <a:rPr lang="en-US" dirty="0" err="1"/>
-              <a:t>inbetween</a:t>
-            </a:r>
-            <a:r>
-              <a:rPr lang="en-US" dirty="0"/>
-              <a:t>.</a:t>
-            </a:r>
-          </a:p>
-          <a:p>
-            <a:pPr marL="742950" lvl="1" indent="-285750">
-              <a:buFont typeface="Arial" panose="020B0604020202020204" pitchFamily="34" charset="0"/>
-              <a:buChar char="•"/>
-            </a:pPr>
-            <a:r>
-              <a:rPr lang="en-US" dirty="0"/>
-              <a:t>NOT what we found, however</a:t>
-            </a:r>
-          </a:p>
-          <a:p>
-            <a:pPr marL="285750" indent="-285750">
-              <a:buFontTx/>
-              <a:buChar char="-"/>
-            </a:pPr>
-            <a:endParaRPr lang="en-US" dirty="0"/>
-          </a:p>
-        </p:txBody>
-      </p:sp>
-      <p:sp>
-        <p:nvSpPr>
-          <p:cNvPr id="7" name="TextBox 6">
-            <a:extLst>
-              <a:ext uri="{FF2B5EF4-FFF2-40B4-BE49-F238E27FC236}">
-                <a16:creationId xmlns:a16="http://schemas.microsoft.com/office/drawing/2014/main" id="{A6293A27-F68E-49C2-A8F4-3C7019BB6A67}"/>
-              </a:ext>
-            </a:extLst>
-          </p:cNvPr>
-          <p:cNvSpPr txBox="1"/>
-          <p:nvPr/>
-        </p:nvSpPr>
-        <p:spPr>
-          <a:xfrm>
-            <a:off x="1509204" y="5069150"/>
-            <a:ext cx="9170633" cy="1200329"/>
-          </a:xfrm>
-          <a:prstGeom prst="rect">
-            <a:avLst/>
-          </a:prstGeom>
-          <a:noFill/>
-        </p:spPr>
-        <p:txBody>
-          <a:bodyPr wrap="square" rtlCol="0">
-            <a:spAutoFit/>
-          </a:bodyPr>
-          <a:lstStyle/>
-          <a:p>
-            <a:r>
-              <a:rPr lang="en-US"/>
-              <a:t>Definition: Probable Total Covid-19 Deaths = Known Covid-19 Deaths + Excess Deaths excl. C-19</a:t>
-            </a:r>
-          </a:p>
-          <a:p>
-            <a:pPr lvl="1"/>
-            <a:r>
-              <a:rPr lang="en-US"/>
-              <a:t>Excess Deaths is computed based on expected number of deaths had there been no pandemic, weighted for population growth and seasonality and excluding known (positively identified) Covid-19 Deaths</a:t>
-            </a:r>
-            <a:endParaRPr lang="en-US" dirty="0"/>
-          </a:p>
-        </p:txBody>
-      </p:sp>
     </p:spTree>
     <p:extLst>
       <p:ext uri="{BB962C8B-B14F-4D97-AF65-F5344CB8AC3E}">
